--- a/sctm146-proekt-unrvk-5.pptx
+++ b/sctm146-proekt-unrvk-5.pptx
@@ -3385,10 +3385,6 @@
               <a:rPr lang="bg-BG" sz="1800" dirty="0" err="1"/>
               <a:t>киберсигурността</a:t>
             </a:r>
-            <a:r>
-              <a:rPr lang="bg-BG" sz="1800" dirty="0"/>
-              <a:t>“</a:t>
-            </a:r>
             <a:br>
               <a:rPr lang="bg-BG" sz="1800" dirty="0"/>
             </a:br>
@@ -4781,7 +4777,7 @@
         <p:spPr>
           <a:xfrm>
             <a:off x="439567" y="1166842"/>
-            <a:ext cx="11312865" cy="338554"/>
+            <a:ext cx="11312865" cy="1600438"/>
           </a:xfrm>
           <a:prstGeom prst="rect">
             <a:avLst/>
@@ -4797,7 +4793,275 @@
           </a:bodyPr>
           <a:lstStyle/>
           <a:p>
-            <a:endParaRPr lang="en-GB" sz="1600" dirty="0"/>
+            <a:r>
+              <a:rPr lang="bg" sz="1400" dirty="0"/>
+              <a:t>Какво представлява </a:t>
+            </a:r>
+            <a:r>
+              <a:rPr lang="en-GB" sz="1400" dirty="0"/>
+              <a:t>JNDI?</a:t>
+            </a:r>
+          </a:p>
+          <a:p>
+            <a:endParaRPr lang="en-GB" sz="1400" dirty="0"/>
+          </a:p>
+          <a:p>
+            <a:r>
+              <a:rPr lang="en-GB" sz="1400" dirty="0"/>
+              <a:t>Java Naming and Directory Interface (JNDI)</a:t>
+            </a:r>
+            <a:r>
+              <a:rPr lang="bg" sz="1400" dirty="0"/>
+              <a:t> е </a:t>
+            </a:r>
+            <a:r>
+              <a:rPr lang="en-GB" sz="1400" dirty="0"/>
+              <a:t>API </a:t>
+            </a:r>
+            <a:r>
+              <a:rPr lang="bg" sz="1400" dirty="0"/>
+              <a:t>на </a:t>
+            </a:r>
+            <a:r>
+              <a:rPr lang="en-GB" sz="1400" dirty="0"/>
+              <a:t>Java, </a:t>
+            </a:r>
+            <a:r>
+              <a:rPr lang="bg" sz="1400" dirty="0"/>
+              <a:t>който позволява на приложенията да комуникират с други приложения, като </a:t>
+            </a:r>
+            <a:r>
+              <a:rPr lang="en-GB" sz="1400" dirty="0"/>
+              <a:t>LDAP, DNS, NIS, NDS, RMI </a:t>
+            </a:r>
+            <a:r>
+              <a:rPr lang="bg" sz="1400" dirty="0"/>
+              <a:t>и </a:t>
+            </a:r>
+            <a:r>
+              <a:rPr lang="en-GB" sz="1400" dirty="0"/>
+              <a:t>CORBA. </a:t>
+            </a:r>
+            <a:r>
+              <a:rPr lang="bg" sz="1400" dirty="0"/>
+              <a:t>Основната му функция е да предоставя функционалност за именуване и директория на приложения, разработени на езика </a:t>
+            </a:r>
+            <a:r>
+              <a:rPr lang="en-GB" sz="1400" dirty="0"/>
+              <a:t>Java. </a:t>
+            </a:r>
+            <a:r>
+              <a:rPr lang="bg" sz="1400" dirty="0"/>
+              <a:t>Той се изпълнява върху приложение на </a:t>
+            </a:r>
+            <a:r>
+              <a:rPr lang="en-GB" sz="1400" dirty="0"/>
+              <a:t>Java, </a:t>
+            </a:r>
+            <a:r>
+              <a:rPr lang="bg" sz="1400" dirty="0"/>
+              <a:t>за да извлича файлове от база данни, като използва конвенции за именуване. Дефинирана е така, че да е независима от всяка конкретна реализация на услугата за директории.</a:t>
+            </a:r>
+          </a:p>
+          <a:p>
+            <a:endParaRPr lang="bg" sz="1400" dirty="0"/>
+          </a:p>
+        </p:txBody>
+      </p:sp>
+      <p:sp>
+        <p:nvSpPr>
+          <p:cNvPr id="2" name="TextBox 1">
+            <a:extLst>
+              <a:ext uri="{FF2B5EF4-FFF2-40B4-BE49-F238E27FC236}">
+                <a16:creationId xmlns:a16="http://schemas.microsoft.com/office/drawing/2014/main" id="{9D122AA2-4015-6044-B8E8-3C6C8413A8C7}"/>
+              </a:ext>
+            </a:extLst>
+          </p:cNvPr>
+          <p:cNvSpPr txBox="1"/>
+          <p:nvPr/>
+        </p:nvSpPr>
+        <p:spPr>
+          <a:xfrm>
+            <a:off x="317396" y="397225"/>
+            <a:ext cx="4587794" cy="369332"/>
+          </a:xfrm>
+          <a:prstGeom prst="rect">
+            <a:avLst/>
+          </a:prstGeom>
+          <a:noFill/>
+        </p:spPr>
+        <p:txBody>
+          <a:bodyPr wrap="none" rtlCol="0">
+            <a:spAutoFit/>
+          </a:bodyPr>
+          <a:lstStyle/>
+          <a:p>
+            <a:r>
+              <a:rPr lang="bg" dirty="0"/>
+              <a:t>Как работи уязвимостта в </a:t>
+            </a:r>
+            <a:r>
+              <a:rPr lang="en-GB" dirty="0"/>
+              <a:t>Log4j </a:t>
+            </a:r>
+            <a:r>
+              <a:rPr lang="bg" dirty="0"/>
+              <a:t>на практика?</a:t>
+            </a:r>
+            <a:endParaRPr lang="en-GB" dirty="0"/>
+          </a:p>
+        </p:txBody>
+      </p:sp>
+      <p:sp>
+        <p:nvSpPr>
+          <p:cNvPr id="8" name="TextBox 7">
+            <a:extLst>
+              <a:ext uri="{FF2B5EF4-FFF2-40B4-BE49-F238E27FC236}">
+                <a16:creationId xmlns:a16="http://schemas.microsoft.com/office/drawing/2014/main" id="{28610B10-0B14-B845-B687-C7A6378F3A6A}"/>
+              </a:ext>
+            </a:extLst>
+          </p:cNvPr>
+          <p:cNvSpPr txBox="1"/>
+          <p:nvPr/>
+        </p:nvSpPr>
+        <p:spPr>
+          <a:xfrm>
+            <a:off x="365256" y="2684085"/>
+            <a:ext cx="11312865" cy="1600438"/>
+          </a:xfrm>
+          <a:prstGeom prst="rect">
+            <a:avLst/>
+          </a:prstGeom>
+          <a:noFill/>
+          <a:ln>
+            <a:noFill/>
+          </a:ln>
+        </p:spPr>
+        <p:txBody>
+          <a:bodyPr wrap="square" rtlCol="0">
+            <a:spAutoFit/>
+          </a:bodyPr>
+          <a:lstStyle/>
+          <a:p>
+            <a:r>
+              <a:rPr lang="bg" sz="1400" dirty="0"/>
+              <a:t>Какво представлява </a:t>
+            </a:r>
+            <a:r>
+              <a:rPr lang="en-GB" sz="1400" dirty="0"/>
+              <a:t>LDAP?</a:t>
+            </a:r>
+          </a:p>
+          <a:p>
+            <a:endParaRPr lang="en-GB" sz="1400" dirty="0"/>
+          </a:p>
+          <a:p>
+            <a:r>
+              <a:rPr lang="en-GB" sz="1400" dirty="0"/>
+              <a:t>LDAP </a:t>
+            </a:r>
+            <a:r>
+              <a:rPr lang="bg" sz="1400" dirty="0"/>
+              <a:t>е олекотената версия на протокола за директории. Разширената му версия е </a:t>
+            </a:r>
+            <a:r>
+              <a:rPr lang="en-GB" sz="1400" dirty="0"/>
+              <a:t>Lightweight Directory Access Protocol. </a:t>
+            </a:r>
+            <a:r>
+              <a:rPr lang="bg" sz="1400" dirty="0"/>
+              <a:t>Той е част от мрежовите стандарти </a:t>
+            </a:r>
+            <a:r>
+              <a:rPr lang="en-GB" sz="1400" dirty="0"/>
+              <a:t>x.500. </a:t>
+            </a:r>
+            <a:r>
+              <a:rPr lang="bg" sz="1400" dirty="0"/>
+              <a:t>по същество това е приложен протокол с отворен код, неутрален по отношение на доставчика, индустриален стандарт, който се използва за достъп и поддръжка на разпределени услуги за директории по мрежата. В него се съхраняват потребители, пароли, информация за профили, компютърни обекти и др. и цялата информация се споделя с други инфраструктурни и приложни структури в мрежата.</a:t>
+            </a:r>
+          </a:p>
+          <a:p>
+            <a:endParaRPr lang="bg" sz="1400" dirty="0"/>
+          </a:p>
+        </p:txBody>
+      </p:sp>
+      <p:sp>
+        <p:nvSpPr>
+          <p:cNvPr id="9" name="TextBox 8">
+            <a:extLst>
+              <a:ext uri="{FF2B5EF4-FFF2-40B4-BE49-F238E27FC236}">
+                <a16:creationId xmlns:a16="http://schemas.microsoft.com/office/drawing/2014/main" id="{F1CC5FFF-8518-2744-9FC1-7FCEE27F6AB8}"/>
+              </a:ext>
+            </a:extLst>
+          </p:cNvPr>
+          <p:cNvSpPr txBox="1"/>
+          <p:nvPr/>
+        </p:nvSpPr>
+        <p:spPr>
+          <a:xfrm>
+            <a:off x="365255" y="4121499"/>
+            <a:ext cx="11312865" cy="1384995"/>
+          </a:xfrm>
+          <a:prstGeom prst="rect">
+            <a:avLst/>
+          </a:prstGeom>
+          <a:noFill/>
+          <a:ln>
+            <a:noFill/>
+          </a:ln>
+        </p:spPr>
+        <p:txBody>
+          <a:bodyPr wrap="square" rtlCol="0">
+            <a:spAutoFit/>
+          </a:bodyPr>
+          <a:lstStyle/>
+          <a:p>
+            <a:r>
+              <a:rPr lang="bg" sz="1400" dirty="0"/>
+              <a:t>Какво представлява библиотеката </a:t>
+            </a:r>
+            <a:r>
+              <a:rPr lang="en-GB" sz="1400" dirty="0"/>
+              <a:t>Log4j?</a:t>
+            </a:r>
+          </a:p>
+          <a:p>
+            <a:endParaRPr lang="en-GB" sz="1400" dirty="0"/>
+          </a:p>
+          <a:p>
+            <a:r>
+              <a:rPr lang="en-GB" sz="1400" dirty="0"/>
+              <a:t>Log4j </a:t>
+            </a:r>
+            <a:r>
+              <a:rPr lang="bg" sz="1400" dirty="0"/>
+              <a:t>е рамка за регистриране, написана на </a:t>
+            </a:r>
+            <a:r>
+              <a:rPr lang="en-GB" sz="1400" dirty="0"/>
+              <a:t>Java </a:t>
+            </a:r>
+            <a:r>
+              <a:rPr lang="bg" sz="1400" dirty="0"/>
+              <a:t>и разпространявана под лиценза на </a:t>
+            </a:r>
+            <a:r>
+              <a:rPr lang="en-GB" sz="1400" dirty="0"/>
+              <a:t>Apache Software License. </a:t>
+            </a:r>
+            <a:r>
+              <a:rPr lang="bg" sz="1400" dirty="0"/>
+              <a:t>Тя се използва предимно за улавяне, форматиране и публикуване на информация за регистриране, създавана от системи и приложения, до множество дестинации.  Тя се състои от три различни компонента за изпълнение на дейностите си. Използва услугите на </a:t>
+            </a:r>
+            <a:r>
+              <a:rPr lang="en-GB" sz="1400" dirty="0"/>
+              <a:t>JNDI, </a:t>
+            </a:r>
+            <a:r>
+              <a:rPr lang="bg" sz="1400" dirty="0"/>
+              <a:t>за да получава информация от различни услуги за именуване и директории.</a:t>
+            </a:r>
           </a:p>
         </p:txBody>
       </p:sp>
@@ -5013,6 +5277,205 @@
           <a:lstStyle/>
           <a:p>
             <a:endParaRPr lang="en-GB" sz="1600" dirty="0"/>
+          </a:p>
+        </p:txBody>
+      </p:sp>
+      <p:sp>
+        <p:nvSpPr>
+          <p:cNvPr id="8" name="TextBox 7">
+            <a:extLst>
+              <a:ext uri="{FF2B5EF4-FFF2-40B4-BE49-F238E27FC236}">
+                <a16:creationId xmlns:a16="http://schemas.microsoft.com/office/drawing/2014/main" id="{8CC67F9D-F863-6342-B5E7-2F85277A339C}"/>
+              </a:ext>
+            </a:extLst>
+          </p:cNvPr>
+          <p:cNvSpPr txBox="1"/>
+          <p:nvPr/>
+        </p:nvSpPr>
+        <p:spPr>
+          <a:xfrm>
+            <a:off x="317396" y="397225"/>
+            <a:ext cx="4587794" cy="369332"/>
+          </a:xfrm>
+          <a:prstGeom prst="rect">
+            <a:avLst/>
+          </a:prstGeom>
+          <a:noFill/>
+        </p:spPr>
+        <p:txBody>
+          <a:bodyPr wrap="none" rtlCol="0">
+            <a:spAutoFit/>
+          </a:bodyPr>
+          <a:lstStyle/>
+          <a:p>
+            <a:r>
+              <a:rPr lang="bg" dirty="0"/>
+              <a:t>Как работи уязвимостта в </a:t>
+            </a:r>
+            <a:r>
+              <a:rPr lang="en-GB" dirty="0"/>
+              <a:t>Log4j </a:t>
+            </a:r>
+            <a:r>
+              <a:rPr lang="bg" dirty="0"/>
+              <a:t>на практика?</a:t>
+            </a:r>
+            <a:endParaRPr lang="en-GB" dirty="0"/>
+          </a:p>
+        </p:txBody>
+      </p:sp>
+      <p:sp>
+        <p:nvSpPr>
+          <p:cNvPr id="9" name="TextBox 8">
+            <a:extLst>
+              <a:ext uri="{FF2B5EF4-FFF2-40B4-BE49-F238E27FC236}">
+                <a16:creationId xmlns:a16="http://schemas.microsoft.com/office/drawing/2014/main" id="{1E16AB79-0DD8-434B-83E6-63F8A95B1020}"/>
+              </a:ext>
+            </a:extLst>
+          </p:cNvPr>
+          <p:cNvSpPr txBox="1"/>
+          <p:nvPr/>
+        </p:nvSpPr>
+        <p:spPr>
+          <a:xfrm>
+            <a:off x="317395" y="1166842"/>
+            <a:ext cx="11312865" cy="2031325"/>
+          </a:xfrm>
+          <a:prstGeom prst="rect">
+            <a:avLst/>
+          </a:prstGeom>
+          <a:noFill/>
+          <a:ln>
+            <a:noFill/>
+          </a:ln>
+        </p:spPr>
+        <p:txBody>
+          <a:bodyPr wrap="square" rtlCol="0">
+            <a:spAutoFit/>
+          </a:bodyPr>
+          <a:lstStyle/>
+          <a:p>
+            <a:r>
+              <a:rPr lang="bg" sz="1400" dirty="0"/>
+              <a:t>Какв</a:t>
+            </a:r>
+            <a:r>
+              <a:rPr lang="bg-BG" sz="1400" dirty="0"/>
+              <a:t>и са възможните последствия </a:t>
+            </a:r>
+            <a:r>
+              <a:rPr lang="bg" sz="1400" dirty="0"/>
+              <a:t>от уязвимостта на </a:t>
+            </a:r>
+            <a:r>
+              <a:rPr lang="en-GB" sz="1400" dirty="0"/>
+              <a:t>Log4j?</a:t>
+            </a:r>
+          </a:p>
+          <a:p>
+            <a:endParaRPr lang="en-GB" sz="1400" dirty="0"/>
+          </a:p>
+          <a:p>
+            <a:r>
+              <a:rPr lang="bg" sz="1400" dirty="0"/>
+              <a:t>Уязвимостта в </a:t>
+            </a:r>
+            <a:r>
+              <a:rPr lang="en-GB" sz="1400" dirty="0"/>
+              <a:t>Log4j </a:t>
+            </a:r>
+            <a:r>
+              <a:rPr lang="bg" sz="1400" dirty="0"/>
+              <a:t>може да се използва за извършване на няколко кибератаки:</a:t>
+            </a:r>
+          </a:p>
+          <a:p>
+            <a:endParaRPr lang="bg" sz="1400" dirty="0"/>
+          </a:p>
+          <a:p>
+            <a:r>
+              <a:rPr lang="bg" sz="1400" dirty="0"/>
+              <a:t>Инсталиране на софтуер за добив на криптовалути (</a:t>
+            </a:r>
+            <a:r>
+              <a:rPr lang="en-GB" sz="1400" dirty="0"/>
+              <a:t>Deploy coin miners</a:t>
+            </a:r>
+            <a:r>
+              <a:rPr lang="bg-BG" sz="1400" dirty="0"/>
+              <a:t>)</a:t>
+            </a:r>
+            <a:endParaRPr lang="bg" sz="1400" dirty="0"/>
+          </a:p>
+          <a:p>
+            <a:r>
+              <a:rPr lang="bg" sz="1400" dirty="0"/>
+              <a:t>Инсталиране на зловреден софтуер</a:t>
+            </a:r>
+            <a:r>
+              <a:rPr lang="bg-BG" sz="1400" dirty="0"/>
+              <a:t>,</a:t>
+            </a:r>
+            <a:r>
+              <a:rPr lang="bg" sz="1400" dirty="0"/>
+              <a:t> като троянски коне за отдалечен достъп и рансъмуер (</a:t>
+            </a:r>
+            <a:r>
+              <a:rPr lang="en-GB" sz="1400" dirty="0"/>
+              <a:t>malware</a:t>
+            </a:r>
+            <a:r>
+              <a:rPr lang="bg-BG" sz="1400" dirty="0"/>
+              <a:t>, </a:t>
+            </a:r>
+            <a:r>
+              <a:rPr lang="en-GB" sz="1400" dirty="0"/>
+              <a:t>remote access</a:t>
+            </a:r>
+            <a:r>
+              <a:rPr lang="bg-BG" sz="1400" dirty="0"/>
+              <a:t>,</a:t>
+            </a:r>
+            <a:r>
+              <a:rPr lang="en-GB" sz="1400" dirty="0"/>
+              <a:t> trojans and ransomware</a:t>
+            </a:r>
+            <a:r>
+              <a:rPr lang="bg" sz="1400" dirty="0"/>
+              <a:t>)</a:t>
+            </a:r>
+          </a:p>
+          <a:p>
+            <a:r>
+              <a:rPr lang="bg" sz="1400" dirty="0"/>
+              <a:t>Изпълнение на код от разстояние и изпълнение на произволен код (</a:t>
+            </a:r>
+            <a:r>
+              <a:rPr lang="en-GB" sz="1400" dirty="0"/>
+              <a:t>Remote code execution and Arbitrary code execution</a:t>
+            </a:r>
+            <a:r>
+              <a:rPr lang="bg" sz="1400" dirty="0"/>
+              <a:t>)</a:t>
+            </a:r>
+          </a:p>
+          <a:p>
+            <a:r>
+              <a:rPr lang="bg" sz="1400" dirty="0"/>
+              <a:t>Отказ от услуги (</a:t>
+            </a:r>
+            <a:r>
+              <a:rPr lang="en-GB" sz="1400" dirty="0"/>
+              <a:t>Denial of services</a:t>
+            </a:r>
+            <a:r>
+              <a:rPr lang="bg-BG" sz="1400" dirty="0"/>
+              <a:t>)</a:t>
+            </a:r>
+            <a:endParaRPr lang="en-GB" sz="1400" dirty="0"/>
+          </a:p>
+          <a:p>
+            <a:endParaRPr lang="bg" sz="1400" dirty="0"/>
           </a:p>
         </p:txBody>
       </p:sp>
